--- a/Project materials/output/Figures/Fig2.pptx
+++ b/Project materials/output/Figures/Fig2.pptx
@@ -3010,7 +3010,68 @@
             <a:schemeClr val="accent6">
               <a:lumMod val="20000"/>
               <a:lumOff val="80000"/>
-              <a:alpha val="59000"/>
+            </a:schemeClr>
+          </a:solidFill>
+          <a:ln>
+            <a:solidFill>
+              <a:schemeClr val="accent6">
+                <a:lumMod val="20000"/>
+                <a:lumOff val="80000"/>
+              </a:schemeClr>
+            </a:solidFill>
+          </a:ln>
+        </p:spPr>
+        <p:style>
+          <a:lnRef idx="2">
+            <a:schemeClr val="accent1">
+              <a:shade val="50000"/>
+            </a:schemeClr>
+          </a:lnRef>
+          <a:fillRef idx="1">
+            <a:schemeClr val="accent1"/>
+          </a:fillRef>
+          <a:effectRef idx="0">
+            <a:schemeClr val="accent1"/>
+          </a:effectRef>
+          <a:fontRef idx="minor">
+            <a:schemeClr val="lt1"/>
+          </a:fontRef>
+        </p:style>
+        <p:txBody>
+          <a:bodyPr rtlCol="0" anchor="ctr"/>
+          <a:lstStyle/>
+          <a:p>
+            <a:pPr algn="ctr"/>
+            <a:endParaRPr lang="en-US" dirty="0"/>
+          </a:p>
+        </p:txBody>
+      </p:sp>
+      <p:sp>
+        <p:nvSpPr>
+          <p:cNvPr id="27" name="Rounded Rectangle 26">
+            <a:extLst>
+              <a:ext uri="{FF2B5EF4-FFF2-40B4-BE49-F238E27FC236}">
+                <a16:creationId xmlns:a16="http://schemas.microsoft.com/office/drawing/2014/main" id="{F5054819-B501-F74F-AF72-9053F84A6DBB}"/>
+              </a:ext>
+            </a:extLst>
+          </p:cNvPr>
+          <p:cNvSpPr/>
+          <p:nvPr/>
+        </p:nvSpPr>
+        <p:spPr>
+          <a:xfrm>
+            <a:off x="7534055" y="240632"/>
+            <a:ext cx="6995160" cy="4572000"/>
+          </a:xfrm>
+          <a:prstGeom prst="roundRect">
+            <a:avLst>
+              <a:gd name="adj" fmla="val 7738"/>
+            </a:avLst>
+          </a:prstGeom>
+          <a:solidFill>
+            <a:schemeClr val="accent4">
+              <a:lumMod val="20000"/>
+              <a:lumOff val="80000"/>
             </a:schemeClr>
           </a:solidFill>
           <a:ln>
@@ -3038,64 +3099,6 @@
           <a:lstStyle/>
           <a:p>
             <a:pPr algn="ctr"/>
-            <a:endParaRPr lang="en-US" dirty="0"/>
-          </a:p>
-        </p:txBody>
-      </p:sp>
-      <p:sp>
-        <p:nvSpPr>
-          <p:cNvPr id="27" name="Rounded Rectangle 26">
-            <a:extLst>
-              <a:ext uri="{FF2B5EF4-FFF2-40B4-BE49-F238E27FC236}">
-                <a16:creationId xmlns:a16="http://schemas.microsoft.com/office/drawing/2014/main" id="{F5054819-B501-F74F-AF72-9053F84A6DBB}"/>
-              </a:ext>
-            </a:extLst>
-          </p:cNvPr>
-          <p:cNvSpPr/>
-          <p:nvPr/>
-        </p:nvSpPr>
-        <p:spPr>
-          <a:xfrm>
-            <a:off x="7534055" y="240632"/>
-            <a:ext cx="6995160" cy="4572000"/>
-          </a:xfrm>
-          <a:prstGeom prst="roundRect">
-            <a:avLst>
-              <a:gd name="adj" fmla="val 7738"/>
-            </a:avLst>
-          </a:prstGeom>
-          <a:solidFill>
-            <a:schemeClr val="accent4">
-              <a:lumMod val="20000"/>
-              <a:lumOff val="80000"/>
-              <a:alpha val="59000"/>
-            </a:schemeClr>
-          </a:solidFill>
-          <a:ln>
-            <a:noFill/>
-          </a:ln>
-        </p:spPr>
-        <p:style>
-          <a:lnRef idx="2">
-            <a:schemeClr val="accent1">
-              <a:shade val="50000"/>
-            </a:schemeClr>
-          </a:lnRef>
-          <a:fillRef idx="1">
-            <a:schemeClr val="accent1"/>
-          </a:fillRef>
-          <a:effectRef idx="0">
-            <a:schemeClr val="accent1"/>
-          </a:effectRef>
-          <a:fontRef idx="minor">
-            <a:schemeClr val="lt1"/>
-          </a:fontRef>
-        </p:style>
-        <p:txBody>
-          <a:bodyPr rtlCol="0" anchor="ctr"/>
-          <a:lstStyle/>
-          <a:p>
-            <a:pPr algn="ctr"/>
             <a:endParaRPr lang="en-US" dirty="0">
               <a:solidFill>
                 <a:schemeClr val="accent5">
@@ -3133,11 +3136,15 @@
             <a:schemeClr val="accent5">
               <a:lumMod val="20000"/>
               <a:lumOff val="80000"/>
-              <a:alpha val="59000"/>
             </a:schemeClr>
           </a:solidFill>
           <a:ln>
-            <a:noFill/>
+            <a:solidFill>
+              <a:schemeClr val="accent1">
+                <a:lumMod val="20000"/>
+                <a:lumOff val="80000"/>
+              </a:schemeClr>
+            </a:solidFill>
           </a:ln>
         </p:spPr>
         <p:style>
